--- a/Slides/Exercise10.pptx
+++ b/Slides/Exercise10.pptx
@@ -5,7 +5,7 @@
     <p:sldMasterId id="2147483648" r:id="rId1"/>
   </p:sldMasterIdLst>
   <p:notesMasterIdLst>
-    <p:notesMasterId r:id="rId10"/>
+    <p:notesMasterId r:id="rId15"/>
   </p:notesMasterIdLst>
   <p:sldIdLst>
     <p:sldId id="256" r:id="rId2"/>
@@ -13,9 +13,14 @@
     <p:sldId id="259" r:id="rId4"/>
     <p:sldId id="261" r:id="rId5"/>
     <p:sldId id="260" r:id="rId6"/>
-    <p:sldId id="271" r:id="rId7"/>
-    <p:sldId id="269" r:id="rId8"/>
-    <p:sldId id="270" r:id="rId9"/>
+    <p:sldId id="272" r:id="rId7"/>
+    <p:sldId id="276" r:id="rId8"/>
+    <p:sldId id="275" r:id="rId9"/>
+    <p:sldId id="273" r:id="rId10"/>
+    <p:sldId id="274" r:id="rId11"/>
+    <p:sldId id="271" r:id="rId12"/>
+    <p:sldId id="269" r:id="rId13"/>
+    <p:sldId id="270" r:id="rId14"/>
   </p:sldIdLst>
   <p:sldSz cx="12192000" cy="6858000"/>
   <p:notesSz cx="6858000" cy="9144000"/>
@@ -204,7 +209,7 @@
           <a:p>
             <a:fld id="{C44A8054-7575-46ED-82E9-6C021B2B560C}" type="datetimeFigureOut">
               <a:rPr lang="en-US" smtClean="0"/>
-              <a:t>5/26/2022</a:t>
+              <a:t>6/6/2022</a:t>
             </a:fld>
             <a:endParaRPr lang="en-US"/>
           </a:p>
@@ -618,7 +623,7 @@
           <a:p>
             <a:fld id="{88D43484-B21C-4C47-BC97-6BB10547D1CE}" type="datetimeFigureOut">
               <a:rPr lang="en-US" smtClean="0"/>
-              <a:t>5/26/2022</a:t>
+              <a:t>6/6/2022</a:t>
             </a:fld>
             <a:endParaRPr lang="en-US"/>
           </a:p>
@@ -816,7 +821,7 @@
           <a:p>
             <a:fld id="{88D43484-B21C-4C47-BC97-6BB10547D1CE}" type="datetimeFigureOut">
               <a:rPr lang="en-US" smtClean="0"/>
-              <a:t>5/26/2022</a:t>
+              <a:t>6/6/2022</a:t>
             </a:fld>
             <a:endParaRPr lang="en-US"/>
           </a:p>
@@ -1024,7 +1029,7 @@
           <a:p>
             <a:fld id="{88D43484-B21C-4C47-BC97-6BB10547D1CE}" type="datetimeFigureOut">
               <a:rPr lang="en-US" smtClean="0"/>
-              <a:t>5/26/2022</a:t>
+              <a:t>6/6/2022</a:t>
             </a:fld>
             <a:endParaRPr lang="en-US"/>
           </a:p>
@@ -1222,7 +1227,7 @@
           <a:p>
             <a:fld id="{88D43484-B21C-4C47-BC97-6BB10547D1CE}" type="datetimeFigureOut">
               <a:rPr lang="en-US" smtClean="0"/>
-              <a:t>5/26/2022</a:t>
+              <a:t>6/6/2022</a:t>
             </a:fld>
             <a:endParaRPr lang="en-US"/>
           </a:p>
@@ -1497,7 +1502,7 @@
           <a:p>
             <a:fld id="{88D43484-B21C-4C47-BC97-6BB10547D1CE}" type="datetimeFigureOut">
               <a:rPr lang="en-US" smtClean="0"/>
-              <a:t>5/26/2022</a:t>
+              <a:t>6/6/2022</a:t>
             </a:fld>
             <a:endParaRPr lang="en-US"/>
           </a:p>
@@ -1762,7 +1767,7 @@
           <a:p>
             <a:fld id="{88D43484-B21C-4C47-BC97-6BB10547D1CE}" type="datetimeFigureOut">
               <a:rPr lang="en-US" smtClean="0"/>
-              <a:t>5/26/2022</a:t>
+              <a:t>6/6/2022</a:t>
             </a:fld>
             <a:endParaRPr lang="en-US"/>
           </a:p>
@@ -2174,7 +2179,7 @@
           <a:p>
             <a:fld id="{88D43484-B21C-4C47-BC97-6BB10547D1CE}" type="datetimeFigureOut">
               <a:rPr lang="en-US" smtClean="0"/>
-              <a:t>5/26/2022</a:t>
+              <a:t>6/6/2022</a:t>
             </a:fld>
             <a:endParaRPr lang="en-US"/>
           </a:p>
@@ -2315,7 +2320,7 @@
           <a:p>
             <a:fld id="{88D43484-B21C-4C47-BC97-6BB10547D1CE}" type="datetimeFigureOut">
               <a:rPr lang="en-US" smtClean="0"/>
-              <a:t>5/26/2022</a:t>
+              <a:t>6/6/2022</a:t>
             </a:fld>
             <a:endParaRPr lang="en-US"/>
           </a:p>
@@ -2428,7 +2433,7 @@
           <a:p>
             <a:fld id="{88D43484-B21C-4C47-BC97-6BB10547D1CE}" type="datetimeFigureOut">
               <a:rPr lang="en-US" smtClean="0"/>
-              <a:t>5/26/2022</a:t>
+              <a:t>6/6/2022</a:t>
             </a:fld>
             <a:endParaRPr lang="en-US"/>
           </a:p>
@@ -2739,7 +2744,7 @@
           <a:p>
             <a:fld id="{88D43484-B21C-4C47-BC97-6BB10547D1CE}" type="datetimeFigureOut">
               <a:rPr lang="en-US" smtClean="0"/>
-              <a:t>5/26/2022</a:t>
+              <a:t>6/6/2022</a:t>
             </a:fld>
             <a:endParaRPr lang="en-US"/>
           </a:p>
@@ -3027,7 +3032,7 @@
           <a:p>
             <a:fld id="{88D43484-B21C-4C47-BC97-6BB10547D1CE}" type="datetimeFigureOut">
               <a:rPr lang="en-US" smtClean="0"/>
-              <a:t>5/26/2022</a:t>
+              <a:t>6/6/2022</a:t>
             </a:fld>
             <a:endParaRPr lang="en-US"/>
           </a:p>
@@ -3268,7 +3273,7 @@
           <a:p>
             <a:fld id="{88D43484-B21C-4C47-BC97-6BB10547D1CE}" type="datetimeFigureOut">
               <a:rPr lang="en-US" smtClean="0"/>
-              <a:t>5/26/2022</a:t>
+              <a:t>6/6/2022</a:t>
             </a:fld>
             <a:endParaRPr lang="en-US"/>
           </a:p>
@@ -3741,7 +3746,7 @@
                   <a:srgbClr val="1955FF"/>
                 </a:solidFill>
               </a:rPr>
-              <a:t>Exercise 9</a:t>
+              <a:t>Exercise 10</a:t>
             </a:r>
             <a:endParaRPr lang="en-US" sz="3600" dirty="0">
               <a:solidFill>
@@ -3806,6 +3811,781 @@
     <p:extLst>
       <p:ext uri="{BB962C8B-B14F-4D97-AF65-F5344CB8AC3E}">
         <p14:creationId xmlns:p14="http://schemas.microsoft.com/office/powerpoint/2010/main" val="3231239163"/>
+      </p:ext>
+    </p:extLst>
+  </p:cSld>
+  <p:clrMapOvr>
+    <a:masterClrMapping/>
+  </p:clrMapOvr>
+</p:sld>
+</file>
+
+<file path=ppt/slides/slide10.xml><?xml version="1.0" encoding="utf-8"?>
+<p:sld xmlns:a="http://schemas.openxmlformats.org/drawingml/2006/main" xmlns:r="http://schemas.openxmlformats.org/officeDocument/2006/relationships" xmlns:p="http://schemas.openxmlformats.org/presentationml/2006/main">
+  <p:cSld>
+    <p:spTree>
+      <p:nvGrpSpPr>
+        <p:cNvPr id="1" name=""/>
+        <p:cNvGrpSpPr/>
+        <p:nvPr/>
+      </p:nvGrpSpPr>
+      <p:grpSpPr>
+        <a:xfrm>
+          <a:off x="0" y="0"/>
+          <a:ext cx="0" cy="0"/>
+          <a:chOff x="0" y="0"/>
+          <a:chExt cx="0" cy="0"/>
+        </a:xfrm>
+      </p:grpSpPr>
+      <p:sp>
+        <p:nvSpPr>
+          <p:cNvPr id="2" name="Title 1">
+            <a:extLst>
+              <a:ext uri="{FF2B5EF4-FFF2-40B4-BE49-F238E27FC236}">
+                <a16:creationId xmlns:a16="http://schemas.microsoft.com/office/drawing/2014/main" id="{64C14DFB-3155-44BE-B017-B0CB2B0C928B}"/>
+              </a:ext>
+            </a:extLst>
+          </p:cNvPr>
+          <p:cNvSpPr>
+            <a:spLocks noGrp="1"/>
+          </p:cNvSpPr>
+          <p:nvPr>
+            <p:ph type="title"/>
+          </p:nvPr>
+        </p:nvSpPr>
+        <p:spPr>
+          <a:xfrm>
+            <a:off x="112295" y="106488"/>
+            <a:ext cx="10515600" cy="751766"/>
+          </a:xfrm>
+        </p:spPr>
+        <p:txBody>
+          <a:bodyPr>
+            <a:normAutofit/>
+          </a:bodyPr>
+          <a:lstStyle/>
+          <a:p>
+            <a:r>
+              <a:rPr lang="en-US" altLang="zh-CN" sz="2800" dirty="0">
+                <a:solidFill>
+                  <a:srgbClr val="0D55F7"/>
+                </a:solidFill>
+                <a:ea typeface="等线 Light"/>
+              </a:rPr>
+              <a:t>Struc2vec</a:t>
+            </a:r>
+            <a:endParaRPr lang="en-US" sz="2800" dirty="0">
+              <a:solidFill>
+                <a:srgbClr val="0D55F7"/>
+              </a:solidFill>
+            </a:endParaRPr>
+          </a:p>
+        </p:txBody>
+      </p:sp>
+      <p:sp>
+        <p:nvSpPr>
+          <p:cNvPr id="4" name="TextBox 3">
+            <a:extLst>
+              <a:ext uri="{FF2B5EF4-FFF2-40B4-BE49-F238E27FC236}">
+                <a16:creationId xmlns:a16="http://schemas.microsoft.com/office/drawing/2014/main" id="{93ACE18E-354C-4AF3-9F1D-AA93039449EA}"/>
+              </a:ext>
+            </a:extLst>
+          </p:cNvPr>
+          <p:cNvSpPr txBox="1"/>
+          <p:nvPr/>
+        </p:nvSpPr>
+        <p:spPr>
+          <a:xfrm>
+            <a:off x="1361720" y="1628331"/>
+            <a:ext cx="10520358" cy="3234860"/>
+          </a:xfrm>
+          <a:prstGeom prst="rect">
+            <a:avLst/>
+          </a:prstGeom>
+          <a:noFill/>
+        </p:spPr>
+        <p:txBody>
+          <a:bodyPr wrap="square" lIns="91440" tIns="45720" rIns="91440" bIns="45720" rtlCol="0" anchor="t">
+            <a:spAutoFit/>
+          </a:bodyPr>
+          <a:lstStyle/>
+          <a:p>
+            <a:pPr>
+              <a:lnSpc>
+                <a:spcPct val="150000"/>
+              </a:lnSpc>
+            </a:pPr>
+            <a:r>
+              <a:rPr lang="en-US" sz="2400" dirty="0">
+                <a:solidFill>
+                  <a:srgbClr val="0D55F7"/>
+                </a:solidFill>
+                <a:cs typeface="Calibri" panose="020F0502020204030204"/>
+              </a:rPr>
+              <a:t>1. What is structure identity?</a:t>
+            </a:r>
+          </a:p>
+          <a:p>
+            <a:pPr>
+              <a:lnSpc>
+                <a:spcPct val="150000"/>
+              </a:lnSpc>
+            </a:pPr>
+            <a:endParaRPr lang="en-US" sz="2400" dirty="0">
+              <a:solidFill>
+                <a:srgbClr val="0D55F7"/>
+              </a:solidFill>
+              <a:cs typeface="Calibri" panose="020F0502020204030204"/>
+            </a:endParaRPr>
+          </a:p>
+          <a:p>
+            <a:pPr>
+              <a:lnSpc>
+                <a:spcPct val="150000"/>
+              </a:lnSpc>
+            </a:pPr>
+            <a:r>
+              <a:rPr lang="en-US" sz="2400" dirty="0">
+                <a:solidFill>
+                  <a:srgbClr val="0D55F7"/>
+                </a:solidFill>
+                <a:cs typeface="Calibri" panose="020F0502020204030204"/>
+              </a:rPr>
+              <a:t>2. Please summarize the key ideas of struc2vec:</a:t>
+            </a:r>
+            <a:endParaRPr lang="en-US" sz="2400" dirty="0">
+              <a:solidFill>
+                <a:srgbClr val="0D55F7"/>
+              </a:solidFill>
+            </a:endParaRPr>
+          </a:p>
+          <a:p>
+            <a:pPr>
+              <a:lnSpc>
+                <a:spcPct val="150000"/>
+              </a:lnSpc>
+            </a:pPr>
+            <a:r>
+              <a:rPr lang="en-US" sz="2400" dirty="0">
+                <a:solidFill>
+                  <a:srgbClr val="0D55F7"/>
+                </a:solidFill>
+                <a:cs typeface="Calibri"/>
+              </a:rPr>
+              <a:t>       Structural similarity does not depend on hop distance.</a:t>
+            </a:r>
+          </a:p>
+          <a:p>
+            <a:pPr>
+              <a:lnSpc>
+                <a:spcPct val="150000"/>
+              </a:lnSpc>
+            </a:pPr>
+            <a:r>
+              <a:rPr lang="en-US" sz="2400" dirty="0">
+                <a:solidFill>
+                  <a:srgbClr val="0D55F7"/>
+                </a:solidFill>
+                <a:cs typeface="Calibri"/>
+              </a:rPr>
+              <a:t>       Structural identity as a hierarchical concept.</a:t>
+            </a:r>
+          </a:p>
+          <a:p>
+            <a:pPr>
+              <a:lnSpc>
+                <a:spcPct val="150000"/>
+              </a:lnSpc>
+            </a:pPr>
+            <a:endParaRPr lang="en-US">
+              <a:cs typeface="Calibri" panose="020F0502020204030204"/>
+            </a:endParaRPr>
+          </a:p>
+        </p:txBody>
+      </p:sp>
+    </p:spTree>
+    <p:extLst>
+      <p:ext uri="{BB962C8B-B14F-4D97-AF65-F5344CB8AC3E}">
+        <p14:creationId xmlns:p14="http://schemas.microsoft.com/office/powerpoint/2010/main" val="3790539068"/>
+      </p:ext>
+    </p:extLst>
+  </p:cSld>
+  <p:clrMapOvr>
+    <a:masterClrMapping/>
+  </p:clrMapOvr>
+</p:sld>
+</file>
+
+<file path=ppt/slides/slide11.xml><?xml version="1.0" encoding="utf-8"?>
+<p:sld xmlns:a="http://schemas.openxmlformats.org/drawingml/2006/main" xmlns:r="http://schemas.openxmlformats.org/officeDocument/2006/relationships" xmlns:p="http://schemas.openxmlformats.org/presentationml/2006/main">
+  <p:cSld>
+    <p:spTree>
+      <p:nvGrpSpPr>
+        <p:cNvPr id="1" name=""/>
+        <p:cNvGrpSpPr/>
+        <p:nvPr/>
+      </p:nvGrpSpPr>
+      <p:grpSpPr>
+        <a:xfrm>
+          <a:off x="0" y="0"/>
+          <a:ext cx="0" cy="0"/>
+          <a:chOff x="0" y="0"/>
+          <a:chExt cx="0" cy="0"/>
+        </a:xfrm>
+      </p:grpSpPr>
+      <p:sp>
+        <p:nvSpPr>
+          <p:cNvPr id="2" name="Title 1">
+            <a:extLst>
+              <a:ext uri="{FF2B5EF4-FFF2-40B4-BE49-F238E27FC236}">
+                <a16:creationId xmlns:a16="http://schemas.microsoft.com/office/drawing/2014/main" id="{64C14DFB-3155-44BE-B017-B0CB2B0C928B}"/>
+              </a:ext>
+            </a:extLst>
+          </p:cNvPr>
+          <p:cNvSpPr>
+            <a:spLocks noGrp="1"/>
+          </p:cNvSpPr>
+          <p:nvPr>
+            <p:ph type="title"/>
+          </p:nvPr>
+        </p:nvSpPr>
+        <p:spPr>
+          <a:xfrm>
+            <a:off x="112295" y="106488"/>
+            <a:ext cx="10515600" cy="751766"/>
+          </a:xfrm>
+        </p:spPr>
+        <p:txBody>
+          <a:bodyPr>
+            <a:normAutofit/>
+          </a:bodyPr>
+          <a:lstStyle/>
+          <a:p>
+            <a:r>
+              <a:rPr lang="en-US" altLang="zh-CN" sz="2800" dirty="0">
+                <a:solidFill>
+                  <a:srgbClr val="0D55F7"/>
+                </a:solidFill>
+              </a:rPr>
+              <a:t>More</a:t>
+            </a:r>
+            <a:endParaRPr lang="en-US" sz="2800" dirty="0">
+              <a:solidFill>
+                <a:srgbClr val="0D55F7"/>
+              </a:solidFill>
+            </a:endParaRPr>
+          </a:p>
+        </p:txBody>
+      </p:sp>
+      <p:sp>
+        <p:nvSpPr>
+          <p:cNvPr id="4" name="TextBox 3">
+            <a:extLst>
+              <a:ext uri="{FF2B5EF4-FFF2-40B4-BE49-F238E27FC236}">
+                <a16:creationId xmlns:a16="http://schemas.microsoft.com/office/drawing/2014/main" id="{93ACE18E-354C-4AF3-9F1D-AA93039449EA}"/>
+              </a:ext>
+            </a:extLst>
+          </p:cNvPr>
+          <p:cNvSpPr txBox="1"/>
+          <p:nvPr/>
+        </p:nvSpPr>
+        <p:spPr>
+          <a:xfrm>
+            <a:off x="1361720" y="1628331"/>
+            <a:ext cx="10198625" cy="1143070"/>
+          </a:xfrm>
+          <a:prstGeom prst="rect">
+            <a:avLst/>
+          </a:prstGeom>
+          <a:noFill/>
+        </p:spPr>
+        <p:txBody>
+          <a:bodyPr wrap="square" rtlCol="0">
+            <a:spAutoFit/>
+          </a:bodyPr>
+          <a:lstStyle/>
+          <a:p>
+            <a:pPr>
+              <a:lnSpc>
+                <a:spcPct val="150000"/>
+              </a:lnSpc>
+            </a:pPr>
+            <a:r>
+              <a:rPr lang="en-US" sz="2400" dirty="0">
+                <a:solidFill>
+                  <a:srgbClr val="0D55F7"/>
+                </a:solidFill>
+              </a:rPr>
+              <a:t>Watch the video about </a:t>
+            </a:r>
+            <a:r>
+              <a:rPr lang="en-US" sz="2400" dirty="0" err="1">
+                <a:solidFill>
+                  <a:srgbClr val="0D55F7"/>
+                </a:solidFill>
+              </a:rPr>
+              <a:t>DeepWalk</a:t>
+            </a:r>
+            <a:r>
+              <a:rPr lang="en-US" sz="2400" dirty="0">
+                <a:solidFill>
+                  <a:srgbClr val="0D55F7"/>
+                </a:solidFill>
+              </a:rPr>
+              <a:t> and Node2Vec with more details: </a:t>
+            </a:r>
+            <a:r>
+              <a:rPr lang="en-US" sz="2400" dirty="0">
+                <a:solidFill>
+                  <a:srgbClr val="0D55F7"/>
+                </a:solidFill>
+                <a:hlinkClick r:id="rId2"/>
+              </a:rPr>
+              <a:t>https://www.youtube.com/watch?v=QZQBnl1QbCQ</a:t>
+            </a:r>
+            <a:r>
+              <a:rPr lang="en-US" sz="2400" dirty="0">
+                <a:solidFill>
+                  <a:srgbClr val="0D55F7"/>
+                </a:solidFill>
+              </a:rPr>
+              <a:t>. </a:t>
+            </a:r>
+          </a:p>
+        </p:txBody>
+      </p:sp>
+    </p:spTree>
+    <p:extLst>
+      <p:ext uri="{BB962C8B-B14F-4D97-AF65-F5344CB8AC3E}">
+        <p14:creationId xmlns:p14="http://schemas.microsoft.com/office/powerpoint/2010/main" val="3565395796"/>
+      </p:ext>
+    </p:extLst>
+  </p:cSld>
+  <p:clrMapOvr>
+    <a:masterClrMapping/>
+  </p:clrMapOvr>
+</p:sld>
+</file>
+
+<file path=ppt/slides/slide12.xml><?xml version="1.0" encoding="utf-8"?>
+<p:sld xmlns:a="http://schemas.openxmlformats.org/drawingml/2006/main" xmlns:r="http://schemas.openxmlformats.org/officeDocument/2006/relationships" xmlns:p="http://schemas.openxmlformats.org/presentationml/2006/main">
+  <p:cSld>
+    <p:spTree>
+      <p:nvGrpSpPr>
+        <p:cNvPr id="1" name=""/>
+        <p:cNvGrpSpPr/>
+        <p:nvPr/>
+      </p:nvGrpSpPr>
+      <p:grpSpPr>
+        <a:xfrm>
+          <a:off x="0" y="0"/>
+          <a:ext cx="0" cy="0"/>
+          <a:chOff x="0" y="0"/>
+          <a:chExt cx="0" cy="0"/>
+        </a:xfrm>
+      </p:grpSpPr>
+      <p:sp>
+        <p:nvSpPr>
+          <p:cNvPr id="2" name="Title 1">
+            <a:extLst>
+              <a:ext uri="{FF2B5EF4-FFF2-40B4-BE49-F238E27FC236}">
+                <a16:creationId xmlns:a16="http://schemas.microsoft.com/office/drawing/2014/main" id="{64C14DFB-3155-44BE-B017-B0CB2B0C928B}"/>
+              </a:ext>
+            </a:extLst>
+          </p:cNvPr>
+          <p:cNvSpPr>
+            <a:spLocks noGrp="1"/>
+          </p:cNvSpPr>
+          <p:nvPr>
+            <p:ph type="title"/>
+          </p:nvPr>
+        </p:nvSpPr>
+        <p:spPr>
+          <a:xfrm>
+            <a:off x="112295" y="106488"/>
+            <a:ext cx="10515600" cy="751766"/>
+          </a:xfrm>
+        </p:spPr>
+        <p:txBody>
+          <a:bodyPr>
+            <a:normAutofit/>
+          </a:bodyPr>
+          <a:lstStyle/>
+          <a:p>
+            <a:r>
+              <a:rPr lang="en-US" altLang="zh-CN" sz="2800" dirty="0">
+                <a:solidFill>
+                  <a:srgbClr val="0D55F7"/>
+                </a:solidFill>
+              </a:rPr>
+              <a:t>Assignment</a:t>
+            </a:r>
+            <a:endParaRPr lang="en-US" sz="2800" dirty="0">
+              <a:solidFill>
+                <a:srgbClr val="0D55F7"/>
+              </a:solidFill>
+            </a:endParaRPr>
+          </a:p>
+        </p:txBody>
+      </p:sp>
+      <p:sp>
+        <p:nvSpPr>
+          <p:cNvPr id="4" name="TextBox 3">
+            <a:extLst>
+              <a:ext uri="{FF2B5EF4-FFF2-40B4-BE49-F238E27FC236}">
+                <a16:creationId xmlns:a16="http://schemas.microsoft.com/office/drawing/2014/main" id="{93ACE18E-354C-4AF3-9F1D-AA93039449EA}"/>
+              </a:ext>
+            </a:extLst>
+          </p:cNvPr>
+          <p:cNvSpPr txBox="1"/>
+          <p:nvPr/>
+        </p:nvSpPr>
+        <p:spPr>
+          <a:xfrm>
+            <a:off x="1332537" y="1599148"/>
+            <a:ext cx="10198625" cy="2802627"/>
+          </a:xfrm>
+          <a:prstGeom prst="rect">
+            <a:avLst/>
+          </a:prstGeom>
+          <a:noFill/>
+        </p:spPr>
+        <p:txBody>
+          <a:bodyPr wrap="square" rtlCol="0">
+            <a:spAutoFit/>
+          </a:bodyPr>
+          <a:lstStyle/>
+          <a:p>
+            <a:pPr>
+              <a:lnSpc>
+                <a:spcPct val="150000"/>
+              </a:lnSpc>
+            </a:pPr>
+            <a:r>
+              <a:rPr lang="en-US" sz="2400" dirty="0">
+                <a:solidFill>
+                  <a:srgbClr val="0D55F7"/>
+                </a:solidFill>
+              </a:rPr>
+              <a:t>Continue the assignment with </a:t>
+            </a:r>
+            <a:r>
+              <a:rPr lang="en-US" altLang="zh-CN" sz="2400" dirty="0" err="1">
+                <a:solidFill>
+                  <a:srgbClr val="0D55F7"/>
+                </a:solidFill>
+              </a:rPr>
+              <a:t>pytorch</a:t>
+            </a:r>
+            <a:r>
+              <a:rPr lang="en-US" altLang="zh-CN" sz="2400" dirty="0">
+                <a:solidFill>
+                  <a:srgbClr val="0D55F7"/>
+                </a:solidFill>
+              </a:rPr>
+              <a:t> / </a:t>
+            </a:r>
+            <a:r>
+              <a:rPr lang="en-US" altLang="zh-CN" sz="2400" dirty="0" err="1">
+                <a:solidFill>
+                  <a:srgbClr val="0D55F7"/>
+                </a:solidFill>
+              </a:rPr>
+              <a:t>sklearn</a:t>
+            </a:r>
+            <a:r>
+              <a:rPr lang="en-US" sz="2400" dirty="0">
+                <a:solidFill>
+                  <a:srgbClr val="0D55F7"/>
+                </a:solidFill>
+              </a:rPr>
+              <a:t> and </a:t>
+            </a:r>
+            <a:r>
+              <a:rPr lang="en-US" sz="2400" dirty="0" err="1">
+                <a:solidFill>
+                  <a:srgbClr val="0D55F7"/>
+                </a:solidFill>
+              </a:rPr>
+              <a:t>networkx</a:t>
+            </a:r>
+            <a:r>
+              <a:rPr lang="en-US" sz="2400" dirty="0">
+                <a:solidFill>
+                  <a:srgbClr val="0D55F7"/>
+                </a:solidFill>
+              </a:rPr>
+              <a:t>: </a:t>
+            </a:r>
+          </a:p>
+          <a:p>
+            <a:pPr>
+              <a:lnSpc>
+                <a:spcPct val="150000"/>
+              </a:lnSpc>
+            </a:pPr>
+            <a:endParaRPr lang="en-US" sz="1400" dirty="0">
+              <a:solidFill>
+                <a:srgbClr val="0D55F7"/>
+              </a:solidFill>
+            </a:endParaRPr>
+          </a:p>
+          <a:p>
+            <a:pPr marL="457200" indent="-457200">
+              <a:lnSpc>
+                <a:spcPct val="150000"/>
+              </a:lnSpc>
+              <a:buFont typeface="Arial" panose="020B0604020202020204" pitchFamily="34" charset="0"/>
+              <a:buChar char="•"/>
+            </a:pPr>
+            <a:r>
+              <a:rPr lang="en-US" sz="2000" dirty="0">
+                <a:solidFill>
+                  <a:srgbClr val="0D55F7"/>
+                </a:solidFill>
+              </a:rPr>
+              <a:t>Based on the code scripts from the last assignment.</a:t>
+            </a:r>
+          </a:p>
+          <a:p>
+            <a:pPr marL="457200" indent="-457200">
+              <a:lnSpc>
+                <a:spcPct val="150000"/>
+              </a:lnSpc>
+              <a:buFont typeface="Arial" panose="020B0604020202020204" pitchFamily="34" charset="0"/>
+              <a:buChar char="•"/>
+            </a:pPr>
+            <a:r>
+              <a:rPr lang="en-US" sz="2000" dirty="0">
+                <a:solidFill>
+                  <a:srgbClr val="0D55F7"/>
+                </a:solidFill>
+              </a:rPr>
+              <a:t>Answer the questions in the question sheet with your datasets.</a:t>
+            </a:r>
+          </a:p>
+          <a:p>
+            <a:pPr marL="457200" indent="-457200">
+              <a:lnSpc>
+                <a:spcPct val="150000"/>
+              </a:lnSpc>
+              <a:buFont typeface="Arial" panose="020B0604020202020204" pitchFamily="34" charset="0"/>
+              <a:buChar char="•"/>
+            </a:pPr>
+            <a:endParaRPr lang="en-US" sz="1000" dirty="0">
+              <a:solidFill>
+                <a:srgbClr val="0D55F7"/>
+              </a:solidFill>
+            </a:endParaRPr>
+          </a:p>
+          <a:p>
+            <a:pPr marL="457200" indent="-457200">
+              <a:lnSpc>
+                <a:spcPct val="150000"/>
+              </a:lnSpc>
+              <a:buFont typeface="Arial" panose="020B0604020202020204" pitchFamily="34" charset="0"/>
+              <a:buChar char="•"/>
+            </a:pPr>
+            <a:r>
+              <a:rPr lang="en-US" sz="2000" dirty="0">
+                <a:solidFill>
+                  <a:srgbClr val="C00000"/>
+                </a:solidFill>
+              </a:rPr>
+              <a:t>Also submit the code ! (Attachment or link to your </a:t>
+            </a:r>
+            <a:r>
+              <a:rPr lang="en-US" sz="2000" dirty="0" err="1">
+                <a:solidFill>
+                  <a:srgbClr val="C00000"/>
+                </a:solidFill>
+              </a:rPr>
+              <a:t>Github</a:t>
+            </a:r>
+            <a:r>
+              <a:rPr lang="en-US" sz="2000" dirty="0">
+                <a:solidFill>
+                  <a:srgbClr val="C00000"/>
+                </a:solidFill>
+              </a:rPr>
+              <a:t> repository)</a:t>
+            </a:r>
+          </a:p>
+          <a:p>
+            <a:pPr marL="457200" indent="-457200">
+              <a:lnSpc>
+                <a:spcPct val="150000"/>
+              </a:lnSpc>
+              <a:buAutoNum type="arabicParenR"/>
+            </a:pPr>
+            <a:endParaRPr lang="en-US" sz="1050" dirty="0">
+              <a:solidFill>
+                <a:srgbClr val="0D55F7"/>
+              </a:solidFill>
+            </a:endParaRPr>
+          </a:p>
+        </p:txBody>
+      </p:sp>
+    </p:spTree>
+    <p:extLst>
+      <p:ext uri="{BB962C8B-B14F-4D97-AF65-F5344CB8AC3E}">
+        <p14:creationId xmlns:p14="http://schemas.microsoft.com/office/powerpoint/2010/main" val="2235708559"/>
+      </p:ext>
+    </p:extLst>
+  </p:cSld>
+  <p:clrMapOvr>
+    <a:masterClrMapping/>
+  </p:clrMapOvr>
+</p:sld>
+</file>
+
+<file path=ppt/slides/slide13.xml><?xml version="1.0" encoding="utf-8"?>
+<p:sld xmlns:a="http://schemas.openxmlformats.org/drawingml/2006/main" xmlns:r="http://schemas.openxmlformats.org/officeDocument/2006/relationships" xmlns:p="http://schemas.openxmlformats.org/presentationml/2006/main">
+  <p:cSld>
+    <p:spTree>
+      <p:nvGrpSpPr>
+        <p:cNvPr id="1" name=""/>
+        <p:cNvGrpSpPr/>
+        <p:nvPr/>
+      </p:nvGrpSpPr>
+      <p:grpSpPr>
+        <a:xfrm>
+          <a:off x="0" y="0"/>
+          <a:ext cx="0" cy="0"/>
+          <a:chOff x="0" y="0"/>
+          <a:chExt cx="0" cy="0"/>
+        </a:xfrm>
+      </p:grpSpPr>
+      <p:sp>
+        <p:nvSpPr>
+          <p:cNvPr id="2" name="Title 1">
+            <a:extLst>
+              <a:ext uri="{FF2B5EF4-FFF2-40B4-BE49-F238E27FC236}">
+                <a16:creationId xmlns:a16="http://schemas.microsoft.com/office/drawing/2014/main" id="{F25DC289-3BDC-49D1-9646-ACC7F2805DC0}"/>
+              </a:ext>
+            </a:extLst>
+          </p:cNvPr>
+          <p:cNvSpPr>
+            <a:spLocks noGrp="1"/>
+          </p:cNvSpPr>
+          <p:nvPr>
+            <p:ph type="ctrTitle"/>
+          </p:nvPr>
+        </p:nvSpPr>
+        <p:spPr>
+          <a:xfrm>
+            <a:off x="1363579" y="953921"/>
+            <a:ext cx="9144000" cy="2387600"/>
+          </a:xfrm>
+        </p:spPr>
+        <p:txBody>
+          <a:bodyPr>
+            <a:normAutofit/>
+          </a:bodyPr>
+          <a:lstStyle/>
+          <a:p>
+            <a:r>
+              <a:rPr lang="en-US" sz="4400" b="1" dirty="0">
+                <a:solidFill>
+                  <a:srgbClr val="1955FF"/>
+                </a:solidFill>
+              </a:rPr>
+              <a:t>Q &amp; </a:t>
+            </a:r>
+            <a:r>
+              <a:rPr lang="en-US" altLang="zh-CN" sz="4400" b="1" dirty="0">
+                <a:solidFill>
+                  <a:srgbClr val="1955FF"/>
+                </a:solidFill>
+              </a:rPr>
+              <a:t>A </a:t>
+            </a:r>
+            <a:endParaRPr lang="en-US" sz="4400" b="1" dirty="0">
+              <a:solidFill>
+                <a:srgbClr val="1955FF"/>
+              </a:solidFill>
+            </a:endParaRPr>
+          </a:p>
+        </p:txBody>
+      </p:sp>
+      <p:sp>
+        <p:nvSpPr>
+          <p:cNvPr id="3" name="Subtitle 2">
+            <a:extLst>
+              <a:ext uri="{FF2B5EF4-FFF2-40B4-BE49-F238E27FC236}">
+                <a16:creationId xmlns:a16="http://schemas.microsoft.com/office/drawing/2014/main" id="{57F04F8D-3FBD-4534-9898-EDB816BAD131}"/>
+              </a:ext>
+            </a:extLst>
+          </p:cNvPr>
+          <p:cNvSpPr>
+            <a:spLocks noGrp="1"/>
+          </p:cNvSpPr>
+          <p:nvPr>
+            <p:ph type="subTitle" idx="1"/>
+          </p:nvPr>
+        </p:nvSpPr>
+        <p:spPr>
+          <a:xfrm>
+            <a:off x="1122947" y="5202238"/>
+            <a:ext cx="9144000" cy="1655762"/>
+          </a:xfrm>
+        </p:spPr>
+        <p:txBody>
+          <a:bodyPr>
+            <a:normAutofit/>
+          </a:bodyPr>
+          <a:lstStyle/>
+          <a:p>
+            <a:pPr algn="l"/>
+            <a:r>
+              <a:rPr lang="en-US" dirty="0">
+                <a:solidFill>
+                  <a:srgbClr val="C00000"/>
+                </a:solidFill>
+                <a:latin typeface="+mj-lt"/>
+              </a:rPr>
+              <a:t>Aoran Wang</a:t>
+            </a:r>
+          </a:p>
+          <a:p>
+            <a:pPr algn="l"/>
+            <a:r>
+              <a:rPr lang="en-US" dirty="0">
+                <a:solidFill>
+                  <a:srgbClr val="0D55F7"/>
+                </a:solidFill>
+                <a:latin typeface="+mj-lt"/>
+              </a:rPr>
+              <a:t>University of Luxembourg</a:t>
+            </a:r>
+          </a:p>
+          <a:p>
+            <a:pPr algn="l"/>
+            <a:r>
+              <a:rPr lang="en-US" dirty="0">
+                <a:solidFill>
+                  <a:srgbClr val="0D55F7"/>
+                </a:solidFill>
+                <a:latin typeface="+mj-lt"/>
+              </a:rPr>
+              <a:t>Email: aoran.wang@uni.lu</a:t>
+            </a:r>
+          </a:p>
+          <a:p>
+            <a:pPr algn="l"/>
+            <a:endParaRPr lang="en-US" dirty="0">
+              <a:solidFill>
+                <a:srgbClr val="0D55F7"/>
+              </a:solidFill>
+              <a:latin typeface="+mj-lt"/>
+            </a:endParaRPr>
+          </a:p>
+        </p:txBody>
+      </p:sp>
+    </p:spTree>
+    <p:extLst>
+      <p:ext uri="{BB962C8B-B14F-4D97-AF65-F5344CB8AC3E}">
+        <p14:creationId xmlns:p14="http://schemas.microsoft.com/office/powerpoint/2010/main" val="574324885"/>
       </p:ext>
     </p:extLst>
   </p:cSld>
@@ -4727,7 +5507,7 @@
         <p:spPr>
           <a:xfrm>
             <a:off x="1361720" y="1628331"/>
-            <a:ext cx="10198625" cy="1143070"/>
+            <a:ext cx="10520358" cy="2251065"/>
           </a:xfrm>
           <a:prstGeom prst="rect">
             <a:avLst/>
@@ -4735,7 +5515,7 @@
           <a:noFill/>
         </p:spPr>
         <p:txBody>
-          <a:bodyPr wrap="square" rtlCol="0">
+          <a:bodyPr wrap="square" lIns="91440" tIns="45720" rIns="91440" bIns="45720" rtlCol="0" anchor="t">
             <a:spAutoFit/>
           </a:bodyPr>
           <a:lstStyle/>
@@ -4750,49 +5530,76 @@
                 <a:solidFill>
                   <a:srgbClr val="0D55F7"/>
                 </a:solidFill>
-              </a:rPr>
-              <a:t>Watch the video about </a:t>
-            </a:r>
-            <a:r>
-              <a:rPr lang="en-US" sz="2400" dirty="0" err="1">
+                <a:cs typeface="Calibri" panose="020F0502020204030204"/>
+              </a:rPr>
+              <a:t>There are more shallow embedding methods.</a:t>
+            </a:r>
+          </a:p>
+          <a:p>
+            <a:pPr>
+              <a:lnSpc>
+                <a:spcPct val="150000"/>
+              </a:lnSpc>
+            </a:pPr>
+            <a:endParaRPr lang="en-US" sz="2400" dirty="0">
+              <a:solidFill>
+                <a:srgbClr val="0D55F7"/>
+              </a:solidFill>
+              <a:cs typeface="Calibri" panose="020F0502020204030204"/>
+            </a:endParaRPr>
+          </a:p>
+          <a:p>
+            <a:pPr>
+              <a:lnSpc>
+                <a:spcPct val="150000"/>
+              </a:lnSpc>
+            </a:pPr>
+            <a:r>
+              <a:rPr lang="en-US" sz="2400" dirty="0">
                 <a:solidFill>
                   <a:srgbClr val="0D55F7"/>
                 </a:solidFill>
               </a:rPr>
-              <a:t>DeepWalk</a:t>
-            </a:r>
+              <a:t>Watch the video about Anonymous Walk Embeddings:</a:t>
+            </a:r>
+          </a:p>
+          <a:p>
+            <a:pPr>
+              <a:lnSpc>
+                <a:spcPct val="150000"/>
+              </a:lnSpc>
+            </a:pPr>
             <a:r>
               <a:rPr lang="en-US" sz="2400" dirty="0">
                 <a:solidFill>
                   <a:srgbClr val="0D55F7"/>
                 </a:solidFill>
               </a:rPr>
-              <a:t> and Node2Vec with more details: </a:t>
+              <a:t> </a:t>
             </a:r>
             <a:r>
               <a:rPr lang="en-US" sz="2400" dirty="0">
-                <a:solidFill>
-                  <a:srgbClr val="0D55F7"/>
-                </a:solidFill>
+                <a:ea typeface="+mn-lt"/>
+                <a:cs typeface="+mn-lt"/>
                 <a:hlinkClick r:id="rId2"/>
               </a:rPr>
-              <a:t>https://www.youtube.com/watch?v=QZQBnl1QbCQ</a:t>
+              <a:t>https://www.youtube.com/watch?v=VVml3nDiM3E</a:t>
             </a:r>
             <a:r>
               <a:rPr lang="en-US" sz="2400" dirty="0">
-                <a:solidFill>
-                  <a:srgbClr val="0D55F7"/>
-                </a:solidFill>
-              </a:rPr>
-              <a:t>. </a:t>
-            </a:r>
+                <a:ea typeface="+mn-lt"/>
+                <a:cs typeface="+mn-lt"/>
+              </a:rPr>
+              <a:t>. </a:t>
+            </a:r>
+            <a:endParaRPr lang="en-US" dirty="0"/>
           </a:p>
         </p:txBody>
       </p:sp>
     </p:spTree>
     <p:extLst>
       <p:ext uri="{BB962C8B-B14F-4D97-AF65-F5344CB8AC3E}">
-        <p14:creationId xmlns:p14="http://schemas.microsoft.com/office/powerpoint/2010/main" val="3565395796"/>
+        <p14:creationId xmlns:p14="http://schemas.microsoft.com/office/powerpoint/2010/main" val="1679444179"/>
       </p:ext>
     </p:extLst>
   </p:cSld>
@@ -4848,18 +5655,13 @@
           <a:lstStyle/>
           <a:p>
             <a:r>
-              <a:rPr lang="en-US" altLang="zh-CN" sz="2800" dirty="0">
+              <a:rPr lang="en-US" sz="2800" dirty="0">
                 <a:solidFill>
                   <a:srgbClr val="0D55F7"/>
                 </a:solidFill>
               </a:rPr>
-              <a:t>Assignment</a:t>
-            </a:r>
-            <a:endParaRPr lang="en-US" sz="2800" dirty="0">
-              <a:solidFill>
-                <a:srgbClr val="0D55F7"/>
-              </a:solidFill>
-            </a:endParaRPr>
+              <a:t>Anonymous Walk Embeddings</a:t>
+            </a:r>
           </a:p>
         </p:txBody>
       </p:sp>
@@ -4877,8 +5679,8 @@
         </p:nvSpPr>
         <p:spPr>
           <a:xfrm>
-            <a:off x="1332537" y="1599148"/>
-            <a:ext cx="10198625" cy="2802627"/>
+            <a:off x="1468723" y="1861795"/>
+            <a:ext cx="12033267" cy="2680862"/>
           </a:xfrm>
           <a:prstGeom prst="rect">
             <a:avLst/>
@@ -4886,7 +5688,7 @@
           <a:noFill/>
         </p:spPr>
         <p:txBody>
-          <a:bodyPr wrap="square" rtlCol="0">
+          <a:bodyPr wrap="square" lIns="91440" tIns="45720" rIns="91440" bIns="45720" rtlCol="0" anchor="t">
             <a:spAutoFit/>
           </a:bodyPr>
           <a:lstStyle/>
@@ -4901,56 +5703,9 @@
                 <a:solidFill>
                   <a:srgbClr val="0D55F7"/>
                 </a:solidFill>
-              </a:rPr>
-              <a:t>Continue the assignment with </a:t>
-            </a:r>
-            <a:r>
-              <a:rPr lang="en-US" altLang="zh-CN" sz="2400" dirty="0" err="1">
-                <a:solidFill>
-                  <a:srgbClr val="0D55F7"/>
-                </a:solidFill>
-              </a:rPr>
-              <a:t>pytorch</a:t>
-            </a:r>
-            <a:r>
-              <a:rPr lang="en-US" altLang="zh-CN" sz="2400" dirty="0">
-                <a:solidFill>
-                  <a:srgbClr val="0D55F7"/>
-                </a:solidFill>
-              </a:rPr>
-              <a:t> / </a:t>
-            </a:r>
-            <a:r>
-              <a:rPr lang="en-US" altLang="zh-CN" sz="2400" dirty="0" err="1">
-                <a:solidFill>
-                  <a:srgbClr val="0D55F7"/>
-                </a:solidFill>
-              </a:rPr>
-              <a:t>sklearn</a:t>
-            </a:r>
-            <a:r>
-              <a:rPr lang="en-US" sz="2400" dirty="0">
-                <a:solidFill>
-                  <a:srgbClr val="0D55F7"/>
-                </a:solidFill>
-              </a:rPr>
-              <a:t> and </a:t>
-            </a:r>
-            <a:r>
-              <a:rPr lang="en-US" sz="2400" dirty="0" err="1">
-                <a:solidFill>
-                  <a:srgbClr val="0D55F7"/>
-                </a:solidFill>
-              </a:rPr>
-              <a:t>networkx</a:t>
-            </a:r>
-            <a:r>
-              <a:rPr lang="en-US" sz="2400" dirty="0">
-                <a:solidFill>
-                  <a:srgbClr val="0D55F7"/>
-                </a:solidFill>
-              </a:rPr>
-              <a:t>: </a:t>
+                <a:cs typeface="Calibri" panose="020F0502020204030204"/>
+              </a:rPr>
+              <a:t>1. What is the key idea of this work?</a:t>
             </a:r>
           </a:p>
           <a:p>
@@ -4959,112 +5714,77 @@
                 <a:spcPct val="150000"/>
               </a:lnSpc>
             </a:pPr>
-            <a:endParaRPr lang="en-US" sz="1400" dirty="0">
+            <a:endParaRPr lang="en-US" sz="2400" dirty="0">
               <a:solidFill>
                 <a:srgbClr val="0D55F7"/>
               </a:solidFill>
+              <a:cs typeface="Calibri" panose="020F0502020204030204"/>
             </a:endParaRPr>
           </a:p>
           <a:p>
-            <a:pPr marL="457200" indent="-457200">
+            <a:pPr>
               <a:lnSpc>
                 <a:spcPct val="150000"/>
               </a:lnSpc>
-              <a:buFont typeface="Arial" panose="020B0604020202020204" pitchFamily="34" charset="0"/>
-              <a:buChar char="•"/>
             </a:pPr>
             <a:r>
-              <a:rPr lang="en-US" sz="2000" dirty="0">
+              <a:rPr lang="en-US" sz="2400" dirty="0">
                 <a:solidFill>
                   <a:srgbClr val="0D55F7"/>
                 </a:solidFill>
-              </a:rPr>
-              <a:t>Based on the code scripts from the last assignment.</a:t>
-            </a:r>
-          </a:p>
-          <a:p>
-            <a:pPr marL="457200" indent="-457200">
+                <a:cs typeface="Calibri" panose="020F0502020204030204"/>
+              </a:rPr>
+              <a:t>2.  </a:t>
+            </a:r>
+            <a:r>
+              <a:rPr lang="en-US" altLang="zh-CN" sz="2400" dirty="0">
+                <a:solidFill>
+                  <a:srgbClr val="0D55F7"/>
+                </a:solidFill>
+                <a:cs typeface="Calibri" panose="020F0502020204030204"/>
+              </a:rPr>
+              <a:t>Compared with random walks,</a:t>
+            </a:r>
+            <a:r>
+              <a:rPr lang="en-US" sz="2400" dirty="0">
+                <a:solidFill>
+                  <a:srgbClr val="0D55F7"/>
+                </a:solidFill>
+                <a:cs typeface="Calibri" panose="020F0502020204030204"/>
+              </a:rPr>
+              <a:t> what are the advantages of </a:t>
+            </a:r>
+          </a:p>
+          <a:p>
+            <a:pPr>
               <a:lnSpc>
                 <a:spcPct val="150000"/>
               </a:lnSpc>
-              <a:buFont typeface="Arial" panose="020B0604020202020204" pitchFamily="34" charset="0"/>
-              <a:buChar char="•"/>
             </a:pPr>
             <a:r>
-              <a:rPr lang="en-US" sz="2000" dirty="0">
+              <a:rPr lang="en-US" sz="2400" dirty="0">
                 <a:solidFill>
                   <a:srgbClr val="0D55F7"/>
                 </a:solidFill>
-              </a:rPr>
-              <a:t>Answer the questions in the question sheet with your datasets.</a:t>
-            </a:r>
-          </a:p>
-          <a:p>
-            <a:pPr marL="457200" indent="-457200">
+                <a:cs typeface="Calibri" panose="020F0502020204030204"/>
+              </a:rPr>
+              <a:t>      anonymous walk embeddings?</a:t>
+            </a:r>
+          </a:p>
+          <a:p>
+            <a:pPr>
               <a:lnSpc>
                 <a:spcPct val="150000"/>
               </a:lnSpc>
-              <a:buFont typeface="Arial" panose="020B0604020202020204" pitchFamily="34" charset="0"/>
-              <a:buChar char="•"/>
             </a:pPr>
-            <a:endParaRPr lang="en-US" sz="1000" dirty="0">
-              <a:solidFill>
-                <a:srgbClr val="0D55F7"/>
-              </a:solidFill>
-            </a:endParaRPr>
-          </a:p>
-          <a:p>
-            <a:pPr marL="457200" indent="-457200">
-              <a:lnSpc>
-                <a:spcPct val="150000"/>
-              </a:lnSpc>
-              <a:buFont typeface="Arial" panose="020B0604020202020204" pitchFamily="34" charset="0"/>
-              <a:buChar char="•"/>
-            </a:pPr>
-            <a:r>
-              <a:rPr lang="en-US" sz="2000" dirty="0">
-                <a:solidFill>
-                  <a:srgbClr val="C00000"/>
-                </a:solidFill>
-              </a:rPr>
-              <a:t>Also submit the code ! (Attachment or link to your </a:t>
-            </a:r>
-            <a:r>
-              <a:rPr lang="en-US" sz="2000" dirty="0" err="1">
-                <a:solidFill>
-                  <a:srgbClr val="C00000"/>
-                </a:solidFill>
-              </a:rPr>
-              <a:t>Github</a:t>
-            </a:r>
-            <a:r>
-              <a:rPr lang="en-US" sz="2000" dirty="0">
-                <a:solidFill>
-                  <a:srgbClr val="C00000"/>
-                </a:solidFill>
-              </a:rPr>
-              <a:t> repository)</a:t>
-            </a:r>
-          </a:p>
-          <a:p>
-            <a:pPr marL="457200" indent="-457200">
-              <a:lnSpc>
-                <a:spcPct val="150000"/>
-              </a:lnSpc>
-              <a:buAutoNum type="arabicParenR"/>
-            </a:pPr>
-            <a:endParaRPr lang="en-US" sz="1050" dirty="0">
-              <a:solidFill>
-                <a:srgbClr val="0D55F7"/>
-              </a:solidFill>
-            </a:endParaRPr>
+            <a:endParaRPr lang="en-US" dirty="0"/>
           </a:p>
         </p:txBody>
       </p:sp>
     </p:spTree>
     <p:extLst>
       <p:ext uri="{BB962C8B-B14F-4D97-AF65-F5344CB8AC3E}">
-        <p14:creationId xmlns:p14="http://schemas.microsoft.com/office/powerpoint/2010/main" val="2235708559"/>
+        <p14:creationId xmlns:p14="http://schemas.microsoft.com/office/powerpoint/2010/main" val="1143689579"/>
       </p:ext>
     </p:extLst>
   </p:cSld>
@@ -5096,21 +5816,21 @@
           <p:cNvPr id="2" name="Title 1">
             <a:extLst>
               <a:ext uri="{FF2B5EF4-FFF2-40B4-BE49-F238E27FC236}">
-                <a16:creationId xmlns:a16="http://schemas.microsoft.com/office/drawing/2014/main" id="{F25DC289-3BDC-49D1-9646-ACC7F2805DC0}"/>
-              </a:ext>
-            </a:extLst>
-          </p:cNvPr>
-          <p:cNvSpPr>
-            <a:spLocks noGrp="1"/>
-          </p:cNvSpPr>
-          <p:nvPr>
-            <p:ph type="ctrTitle"/>
+                <a16:creationId xmlns:a16="http://schemas.microsoft.com/office/drawing/2014/main" id="{64C14DFB-3155-44BE-B017-B0CB2B0C928B}"/>
+              </a:ext>
+            </a:extLst>
+          </p:cNvPr>
+          <p:cNvSpPr>
+            <a:spLocks noGrp="1"/>
+          </p:cNvSpPr>
+          <p:nvPr>
+            <p:ph type="title"/>
           </p:nvPr>
         </p:nvSpPr>
         <p:spPr>
           <a:xfrm>
-            <a:off x="1363579" y="953921"/>
-            <a:ext cx="9144000" cy="2387600"/>
+            <a:off x="112295" y="106488"/>
+            <a:ext cx="10515600" cy="751766"/>
           </a:xfrm>
         </p:spPr>
         <p:txBody>
@@ -5120,24 +5840,16 @@
           <a:lstStyle/>
           <a:p>
             <a:r>
-              <a:rPr lang="en-US" sz="4400" b="1" dirty="0">
-                <a:solidFill>
-                  <a:srgbClr val="1955FF"/>
-                </a:solidFill>
-              </a:rPr>
-              <a:t>Q &amp; </a:t>
-            </a:r>
-            <a:r>
-              <a:rPr lang="en-US" altLang="zh-CN" sz="4400" b="1" dirty="0">
-                <a:solidFill>
-                  <a:srgbClr val="1955FF"/>
-                </a:solidFill>
-              </a:rPr>
-              <a:t>A </a:t>
-            </a:r>
-            <a:endParaRPr lang="en-US" sz="4400" b="1" dirty="0">
+              <a:rPr lang="en-US" altLang="zh-CN" sz="2800" dirty="0">
+                <a:solidFill>
+                  <a:srgbClr val="0D55F7"/>
+                </a:solidFill>
+              </a:rPr>
+              <a:t>More</a:t>
+            </a:r>
+            <a:endParaRPr lang="en-US" sz="2800" dirty="0">
               <a:solidFill>
-                <a:srgbClr val="1955FF"/>
+                <a:srgbClr val="0D55F7"/>
               </a:solidFill>
             </a:endParaRPr>
           </a:p>
@@ -5145,24 +5857,114 @@
       </p:sp>
       <p:sp>
         <p:nvSpPr>
-          <p:cNvPr id="3" name="Subtitle 2">
-            <a:extLst>
-              <a:ext uri="{FF2B5EF4-FFF2-40B4-BE49-F238E27FC236}">
-                <a16:creationId xmlns:a16="http://schemas.microsoft.com/office/drawing/2014/main" id="{57F04F8D-3FBD-4534-9898-EDB816BAD131}"/>
-              </a:ext>
-            </a:extLst>
-          </p:cNvPr>
-          <p:cNvSpPr>
-            <a:spLocks noGrp="1"/>
-          </p:cNvSpPr>
-          <p:nvPr>
-            <p:ph type="subTitle" idx="1"/>
-          </p:nvPr>
+          <p:cNvPr id="4" name="TextBox 3">
+            <a:extLst>
+              <a:ext uri="{FF2B5EF4-FFF2-40B4-BE49-F238E27FC236}">
+                <a16:creationId xmlns:a16="http://schemas.microsoft.com/office/drawing/2014/main" id="{93ACE18E-354C-4AF3-9F1D-AA93039449EA}"/>
+              </a:ext>
+            </a:extLst>
+          </p:cNvPr>
+          <p:cNvSpPr txBox="1"/>
+          <p:nvPr/>
         </p:nvSpPr>
         <p:spPr>
           <a:xfrm>
-            <a:off x="1122947" y="5202238"/>
-            <a:ext cx="9144000" cy="1655762"/>
+            <a:off x="1361720" y="1628331"/>
+            <a:ext cx="10520358" cy="1143070"/>
+          </a:xfrm>
+          <a:prstGeom prst="rect">
+            <a:avLst/>
+          </a:prstGeom>
+          <a:noFill/>
+        </p:spPr>
+        <p:txBody>
+          <a:bodyPr wrap="square" lIns="91440" tIns="45720" rIns="91440" bIns="45720" rtlCol="0" anchor="t">
+            <a:spAutoFit/>
+          </a:bodyPr>
+          <a:lstStyle/>
+          <a:p>
+            <a:pPr>
+              <a:lnSpc>
+                <a:spcPct val="150000"/>
+              </a:lnSpc>
+            </a:pPr>
+            <a:r>
+              <a:rPr lang="en-US" sz="2400" dirty="0">
+                <a:solidFill>
+                  <a:srgbClr val="0D55F7"/>
+                </a:solidFill>
+              </a:rPr>
+              <a:t>Watch the video about Struc2vec: Learning Node Representations from Structural Identity:  </a:t>
+            </a:r>
+            <a:r>
+              <a:rPr lang="en-US" sz="2400" dirty="0">
+                <a:ea typeface="+mn-lt"/>
+                <a:cs typeface="+mn-lt"/>
+                <a:hlinkClick r:id="rId2"/>
+              </a:rPr>
+              <a:t>https://www.youtube.com/watch?v=5usgZOTy0YY</a:t>
+            </a:r>
+            <a:r>
+              <a:rPr lang="en-US" sz="2400" dirty="0">
+                <a:ea typeface="+mn-lt"/>
+                <a:cs typeface="+mn-lt"/>
+              </a:rPr>
+              <a:t> .  </a:t>
+            </a:r>
+            <a:endParaRPr lang="en-US" dirty="0"/>
+          </a:p>
+        </p:txBody>
+      </p:sp>
+    </p:spTree>
+    <p:extLst>
+      <p:ext uri="{BB962C8B-B14F-4D97-AF65-F5344CB8AC3E}">
+        <p14:creationId xmlns:p14="http://schemas.microsoft.com/office/powerpoint/2010/main" val="984717300"/>
+      </p:ext>
+    </p:extLst>
+  </p:cSld>
+  <p:clrMapOvr>
+    <a:masterClrMapping/>
+  </p:clrMapOvr>
+</p:sld>
+</file>
+
+<file path=ppt/slides/slide9.xml><?xml version="1.0" encoding="utf-8"?>
+<p:sld xmlns:a="http://schemas.openxmlformats.org/drawingml/2006/main" xmlns:r="http://schemas.openxmlformats.org/officeDocument/2006/relationships" xmlns:p="http://schemas.openxmlformats.org/presentationml/2006/main">
+  <p:cSld>
+    <p:spTree>
+      <p:nvGrpSpPr>
+        <p:cNvPr id="1" name=""/>
+        <p:cNvGrpSpPr/>
+        <p:nvPr/>
+      </p:nvGrpSpPr>
+      <p:grpSpPr>
+        <a:xfrm>
+          <a:off x="0" y="0"/>
+          <a:ext cx="0" cy="0"/>
+          <a:chOff x="0" y="0"/>
+          <a:chExt cx="0" cy="0"/>
+        </a:xfrm>
+      </p:grpSpPr>
+      <p:sp>
+        <p:nvSpPr>
+          <p:cNvPr id="2" name="Title 1">
+            <a:extLst>
+              <a:ext uri="{FF2B5EF4-FFF2-40B4-BE49-F238E27FC236}">
+                <a16:creationId xmlns:a16="http://schemas.microsoft.com/office/drawing/2014/main" id="{64C14DFB-3155-44BE-B017-B0CB2B0C928B}"/>
+              </a:ext>
+            </a:extLst>
+          </p:cNvPr>
+          <p:cNvSpPr>
+            <a:spLocks noGrp="1"/>
+          </p:cNvSpPr>
+          <p:nvPr>
+            <p:ph type="title"/>
+          </p:nvPr>
+        </p:nvSpPr>
+        <p:spPr>
+          <a:xfrm>
+            <a:off x="112295" y="106488"/>
+            <a:ext cx="10515600" cy="751766"/>
           </a:xfrm>
         </p:spPr>
         <p:txBody>
@@ -5171,56 +5973,115 @@
           </a:bodyPr>
           <a:lstStyle/>
           <a:p>
-            <a:pPr algn="l"/>
-            <a:r>
-              <a:rPr lang="en-US" dirty="0">
-                <a:solidFill>
-                  <a:srgbClr val="C00000"/>
-                </a:solidFill>
-                <a:latin typeface="+mj-lt"/>
-              </a:rPr>
-              <a:t>Aoran Wang</a:t>
-            </a:r>
-          </a:p>
-          <a:p>
-            <a:pPr algn="l"/>
-            <a:r>
-              <a:rPr lang="en-US" dirty="0">
+            <a:r>
+              <a:rPr lang="en-US" altLang="zh-CN" sz="2800" dirty="0">
                 <a:solidFill>
                   <a:srgbClr val="0D55F7"/>
                 </a:solidFill>
-                <a:latin typeface="+mj-lt"/>
-              </a:rPr>
-              <a:t>University of Luxembourg</a:t>
-            </a:r>
-          </a:p>
-          <a:p>
-            <a:pPr algn="l"/>
-            <a:r>
-              <a:rPr lang="en-US" dirty="0">
-                <a:solidFill>
-                  <a:srgbClr val="0D55F7"/>
-                </a:solidFill>
-                <a:latin typeface="+mj-lt"/>
-              </a:rPr>
-              <a:t>Email: aoran.wang@uni.lu</a:t>
-            </a:r>
-          </a:p>
-          <a:p>
-            <a:pPr algn="l"/>
-            <a:endParaRPr lang="en-US" dirty="0">
+                <a:ea typeface="等线 Light"/>
+              </a:rPr>
+              <a:t>Struc2vec</a:t>
+            </a:r>
+            <a:endParaRPr lang="en-US" sz="2800" dirty="0">
               <a:solidFill>
                 <a:srgbClr val="0D55F7"/>
               </a:solidFill>
-              <a:latin typeface="+mj-lt"/>
             </a:endParaRPr>
+          </a:p>
+        </p:txBody>
+      </p:sp>
+      <p:sp>
+        <p:nvSpPr>
+          <p:cNvPr id="4" name="TextBox 3">
+            <a:extLst>
+              <a:ext uri="{FF2B5EF4-FFF2-40B4-BE49-F238E27FC236}">
+                <a16:creationId xmlns:a16="http://schemas.microsoft.com/office/drawing/2014/main" id="{93ACE18E-354C-4AF3-9F1D-AA93039449EA}"/>
+              </a:ext>
+            </a:extLst>
+          </p:cNvPr>
+          <p:cNvSpPr txBox="1"/>
+          <p:nvPr/>
+        </p:nvSpPr>
+        <p:spPr>
+          <a:xfrm>
+            <a:off x="1361720" y="1628331"/>
+            <a:ext cx="10520358" cy="2126864"/>
+          </a:xfrm>
+          <a:prstGeom prst="rect">
+            <a:avLst/>
+          </a:prstGeom>
+          <a:noFill/>
+        </p:spPr>
+        <p:txBody>
+          <a:bodyPr wrap="square" lIns="91440" tIns="45720" rIns="91440" bIns="45720" rtlCol="0" anchor="t">
+            <a:spAutoFit/>
+          </a:bodyPr>
+          <a:lstStyle/>
+          <a:p>
+            <a:pPr>
+              <a:lnSpc>
+                <a:spcPct val="150000"/>
+              </a:lnSpc>
+            </a:pPr>
+            <a:r>
+              <a:rPr lang="en-US" sz="2400" dirty="0">
+                <a:solidFill>
+                  <a:srgbClr val="0D55F7"/>
+                </a:solidFill>
+                <a:cs typeface="Calibri" panose="020F0502020204030204"/>
+              </a:rPr>
+              <a:t>1. What is structure identity?</a:t>
+            </a:r>
+          </a:p>
+          <a:p>
+            <a:pPr>
+              <a:lnSpc>
+                <a:spcPct val="150000"/>
+              </a:lnSpc>
+            </a:pPr>
+            <a:endParaRPr lang="en-US" sz="2400" dirty="0">
+              <a:solidFill>
+                <a:srgbClr val="0D55F7"/>
+              </a:solidFill>
+              <a:cs typeface="Calibri" panose="020F0502020204030204"/>
+            </a:endParaRPr>
+          </a:p>
+          <a:p>
+            <a:pPr>
+              <a:lnSpc>
+                <a:spcPct val="150000"/>
+              </a:lnSpc>
+            </a:pPr>
+            <a:r>
+              <a:rPr lang="en-US" sz="2400" dirty="0">
+                <a:solidFill>
+                  <a:srgbClr val="0D55F7"/>
+                </a:solidFill>
+                <a:cs typeface="Calibri" panose="020F0502020204030204"/>
+              </a:rPr>
+              <a:t>2.  Please summarize the key ideas of struc2vec.</a:t>
+            </a:r>
+            <a:endParaRPr lang="en-US" sz="2400">
+              <a:solidFill>
+                <a:srgbClr val="0D55F7"/>
+              </a:solidFill>
+              <a:cs typeface="Calibri"/>
+            </a:endParaRPr>
+          </a:p>
+          <a:p>
+            <a:pPr>
+              <a:lnSpc>
+                <a:spcPct val="150000"/>
+              </a:lnSpc>
+            </a:pPr>
+            <a:endParaRPr lang="en-US"/>
           </a:p>
         </p:txBody>
       </p:sp>
     </p:spTree>
     <p:extLst>
       <p:ext uri="{BB962C8B-B14F-4D97-AF65-F5344CB8AC3E}">
-        <p14:creationId xmlns:p14="http://schemas.microsoft.com/office/powerpoint/2010/main" val="574324885"/>
+        <p14:creationId xmlns:p14="http://schemas.microsoft.com/office/powerpoint/2010/main" val="1171898305"/>
       </p:ext>
     </p:extLst>
   </p:cSld>
